--- a/doc/SkillSwap.pptx
+++ b/doc/SkillSwap.pptx
@@ -5,28 +5,27 @@
     <p:sldMasterId id="2147483648" r:id="rId4"/>
   </p:sldMasterIdLst>
   <p:notesMasterIdLst>
-    <p:notesMasterId r:id="rId21"/>
+    <p:notesMasterId r:id="rId20"/>
   </p:notesMasterIdLst>
   <p:handoutMasterIdLst>
-    <p:handoutMasterId r:id="rId22"/>
+    <p:handoutMasterId r:id="rId21"/>
   </p:handoutMasterIdLst>
   <p:sldIdLst>
     <p:sldId id="292" r:id="rId5"/>
-    <p:sldId id="275" r:id="rId6"/>
-    <p:sldId id="276" r:id="rId7"/>
-    <p:sldId id="296" r:id="rId8"/>
-    <p:sldId id="277" r:id="rId9"/>
-    <p:sldId id="297" r:id="rId10"/>
-    <p:sldId id="298" r:id="rId11"/>
-    <p:sldId id="299" r:id="rId12"/>
-    <p:sldId id="300" r:id="rId13"/>
-    <p:sldId id="301" r:id="rId14"/>
-    <p:sldId id="302" r:id="rId15"/>
-    <p:sldId id="303" r:id="rId16"/>
-    <p:sldId id="304" r:id="rId17"/>
-    <p:sldId id="305" r:id="rId18"/>
-    <p:sldId id="307" r:id="rId19"/>
-    <p:sldId id="308" r:id="rId20"/>
+    <p:sldId id="276" r:id="rId6"/>
+    <p:sldId id="296" r:id="rId7"/>
+    <p:sldId id="277" r:id="rId8"/>
+    <p:sldId id="297" r:id="rId9"/>
+    <p:sldId id="298" r:id="rId10"/>
+    <p:sldId id="299" r:id="rId11"/>
+    <p:sldId id="300" r:id="rId12"/>
+    <p:sldId id="301" r:id="rId13"/>
+    <p:sldId id="302" r:id="rId14"/>
+    <p:sldId id="303" r:id="rId15"/>
+    <p:sldId id="304" r:id="rId16"/>
+    <p:sldId id="305" r:id="rId17"/>
+    <p:sldId id="307" r:id="rId18"/>
+    <p:sldId id="308" r:id="rId19"/>
   </p:sldIdLst>
   <p:sldSz cx="12192000" cy="6858000"/>
   <p:notesSz cx="6858000" cy="9144000"/>
@@ -6739,7 +6738,7 @@
           <a:p>
             <a:fld id="{8CD26A2A-0A96-0647-84E5-C82F2EFD9474}" type="datetimeFigureOut">
               <a:rPr lang="en-US" smtClean="0"/>
-              <a:t>4/16/2025</a:t>
+              <a:t>4/30/2025</a:t>
             </a:fld>
             <a:endParaRPr lang="en-US" dirty="0"/>
           </a:p>
@@ -7004,7 +7003,7 @@
           <a:p>
             <a:fld id="{D458D246-FB21-4ACB-9068-6447CC7872F8}" type="datetimeFigureOut">
               <a:rPr lang="en-US" smtClean="0"/>
-              <a:t>4/16/2025</a:t>
+              <a:t>4/30/2025</a:t>
             </a:fld>
             <a:endParaRPr lang="en-US"/>
           </a:p>
@@ -7387,7 +7386,7 @@
           <a:bodyPr/>
           <a:lstStyle/>
           <a:p>
-            <a:endParaRPr lang="en-US"/>
+            <a:endParaRPr lang="en-US" dirty="0"/>
           </a:p>
         </p:txBody>
       </p:sp>
@@ -7425,7 +7424,7 @@
     </p:spTree>
     <p:extLst>
       <p:ext uri="{BB962C8B-B14F-4D97-AF65-F5344CB8AC3E}">
-        <p14:creationId xmlns:p14="http://schemas.microsoft.com/office/powerpoint/2010/main" val="914374062"/>
+        <p14:creationId xmlns:p14="http://schemas.microsoft.com/office/powerpoint/2010/main" val="3235818310"/>
       </p:ext>
     </p:extLst>
   </p:cSld>
@@ -7436,114 +7435,6 @@
 </file>
 
 <file path=ppt/notesSlides/notesSlide3.xml><?xml version="1.0" encoding="utf-8"?>
-<p:notes xmlns:a="http://schemas.openxmlformats.org/drawingml/2006/main" xmlns:r="http://schemas.openxmlformats.org/officeDocument/2006/relationships" xmlns:p="http://schemas.openxmlformats.org/presentationml/2006/main">
-  <p:cSld>
-    <p:spTree>
-      <p:nvGrpSpPr>
-        <p:cNvPr id="1" name=""/>
-        <p:cNvGrpSpPr/>
-        <p:nvPr/>
-      </p:nvGrpSpPr>
-      <p:grpSpPr>
-        <a:xfrm>
-          <a:off x="0" y="0"/>
-          <a:ext cx="0" cy="0"/>
-          <a:chOff x="0" y="0"/>
-          <a:chExt cx="0" cy="0"/>
-        </a:xfrm>
-      </p:grpSpPr>
-      <p:sp>
-        <p:nvSpPr>
-          <p:cNvPr id="2" name="Slide Image Placeholder 1"/>
-          <p:cNvSpPr>
-            <a:spLocks noGrp="1" noRot="1" noChangeAspect="1"/>
-          </p:cNvSpPr>
-          <p:nvPr>
-            <p:ph type="sldImg"/>
-          </p:nvPr>
-        </p:nvSpPr>
-        <p:spPr>
-          <a:xfrm>
-            <a:off x="685800" y="1143000"/>
-            <a:ext cx="5486400" cy="3086100"/>
-          </a:xfrm>
-          <a:prstGeom prst="rect">
-            <a:avLst/>
-          </a:prstGeom>
-        </p:spPr>
-      </p:sp>
-      <p:sp>
-        <p:nvSpPr>
-          <p:cNvPr id="3" name="Notes Placeholder 2"/>
-          <p:cNvSpPr>
-            <a:spLocks noGrp="1"/>
-          </p:cNvSpPr>
-          <p:nvPr>
-            <p:ph type="body" idx="1"/>
-          </p:nvPr>
-        </p:nvSpPr>
-        <p:spPr>
-          <a:xfrm>
-            <a:off x="685800" y="4400550"/>
-            <a:ext cx="5486400" cy="3600450"/>
-          </a:xfrm>
-          <a:prstGeom prst="rect">
-            <a:avLst/>
-          </a:prstGeom>
-        </p:spPr>
-        <p:txBody>
-          <a:bodyPr/>
-          <a:lstStyle/>
-          <a:p>
-            <a:endParaRPr lang="en-US" dirty="0"/>
-          </a:p>
-        </p:txBody>
-      </p:sp>
-      <p:sp>
-        <p:nvSpPr>
-          <p:cNvPr id="4" name="Slide Number Placeholder 3"/>
-          <p:cNvSpPr>
-            <a:spLocks noGrp="1"/>
-          </p:cNvSpPr>
-          <p:nvPr>
-            <p:ph type="sldNum" sz="quarter" idx="5"/>
-          </p:nvPr>
-        </p:nvSpPr>
-        <p:spPr>
-          <a:xfrm>
-            <a:off x="3884613" y="8685213"/>
-            <a:ext cx="2971800" cy="458787"/>
-          </a:xfrm>
-          <a:prstGeom prst="rect">
-            <a:avLst/>
-          </a:prstGeom>
-        </p:spPr>
-        <p:txBody>
-          <a:bodyPr/>
-          <a:lstStyle/>
-          <a:p>
-            <a:fld id="{017105BD-6D6F-49DB-9DE4-D4A6452D7E5F}" type="slidenum">
-              <a:rPr lang="en-US" altLang="zh-CN" noProof="0" smtClean="0"/>
-              <a:t>3</a:t>
-            </a:fld>
-            <a:endParaRPr lang="en-US" altLang="zh-CN" noProof="0" dirty="0"/>
-          </a:p>
-        </p:txBody>
-      </p:sp>
-    </p:spTree>
-    <p:extLst>
-      <p:ext uri="{BB962C8B-B14F-4D97-AF65-F5344CB8AC3E}">
-        <p14:creationId xmlns:p14="http://schemas.microsoft.com/office/powerpoint/2010/main" val="3235818310"/>
-      </p:ext>
-    </p:extLst>
-  </p:cSld>
-  <p:clrMapOvr>
-    <a:masterClrMapping/>
-  </p:clrMapOvr>
-</p:notes>
-</file>
-
-<file path=ppt/notesSlides/notesSlide4.xml><?xml version="1.0" encoding="utf-8"?>
 <p:notes xmlns:a="http://schemas.openxmlformats.org/drawingml/2006/main" xmlns:r="http://schemas.openxmlformats.org/officeDocument/2006/relationships" xmlns:p="http://schemas.openxmlformats.org/presentationml/2006/main">
   <p:cSld>
     <p:spTree>
@@ -7632,7 +7523,7 @@
           <a:p>
             <a:fld id="{017105BD-6D6F-49DB-9DE4-D4A6452D7E5F}" type="slidenum">
               <a:rPr lang="en-US" altLang="zh-CN" noProof="0" smtClean="0"/>
-              <a:t>5</a:t>
+              <a:t>4</a:t>
             </a:fld>
             <a:endParaRPr lang="en-US" altLang="zh-CN" noProof="0" dirty="0"/>
           </a:p>
@@ -7651,7 +7542,7 @@
 </p:notes>
 </file>
 
-<file path=ppt/notesSlides/notesSlide5.xml><?xml version="1.0" encoding="utf-8"?>
+<file path=ppt/notesSlides/notesSlide4.xml><?xml version="1.0" encoding="utf-8"?>
 <p:notes xmlns:a="http://schemas.openxmlformats.org/drawingml/2006/main" xmlns:r="http://schemas.openxmlformats.org/officeDocument/2006/relationships" xmlns:p="http://schemas.openxmlformats.org/presentationml/2006/main">
   <p:cSld>
     <p:spTree>
@@ -7764,7 +7655,7 @@
           <a:p>
             <a:fld id="{017105BD-6D6F-49DB-9DE4-D4A6452D7E5F}" type="slidenum">
               <a:rPr lang="en-US" altLang="zh-CN" noProof="0" smtClean="0"/>
-              <a:t>6</a:t>
+              <a:t>5</a:t>
             </a:fld>
             <a:endParaRPr lang="en-US" altLang="zh-CN" noProof="0" dirty="0"/>
           </a:p>
@@ -29971,128 +29862,6 @@
           <p:cNvPr id="2" name="Title 1">
             <a:extLst>
               <a:ext uri="{FF2B5EF4-FFF2-40B4-BE49-F238E27FC236}">
-                <a16:creationId xmlns:a16="http://schemas.microsoft.com/office/drawing/2014/main" id="{37CD3AF5-CEEE-FB3A-F428-1BE5E966951B}"/>
-              </a:ext>
-            </a:extLst>
-          </p:cNvPr>
-          <p:cNvSpPr>
-            <a:spLocks noGrp="1"/>
-          </p:cNvSpPr>
-          <p:nvPr>
-            <p:ph type="title"/>
-          </p:nvPr>
-        </p:nvSpPr>
-        <p:spPr>
-          <a:xfrm>
-            <a:off x="640202" y="298580"/>
-            <a:ext cx="5117162" cy="1325563"/>
-          </a:xfrm>
-        </p:spPr>
-        <p:txBody>
-          <a:bodyPr/>
-          <a:lstStyle/>
-          <a:p>
-            <a:r>
-              <a:rPr lang="en-US" dirty="0"/>
-              <a:t>Pros &amp; cons</a:t>
-            </a:r>
-            <a:endParaRPr lang="en-IN" dirty="0"/>
-          </a:p>
-        </p:txBody>
-      </p:sp>
-      <p:sp>
-        <p:nvSpPr>
-          <p:cNvPr id="6" name="Slide Number Placeholder 5">
-            <a:extLst>
-              <a:ext uri="{FF2B5EF4-FFF2-40B4-BE49-F238E27FC236}">
-                <a16:creationId xmlns:a16="http://schemas.microsoft.com/office/drawing/2014/main" id="{F0962A82-2C99-8DA7-76F6-3DCA85330662}"/>
-              </a:ext>
-            </a:extLst>
-          </p:cNvPr>
-          <p:cNvSpPr>
-            <a:spLocks noGrp="1"/>
-          </p:cNvSpPr>
-          <p:nvPr>
-            <p:ph type="sldNum" sz="quarter" idx="53"/>
-          </p:nvPr>
-        </p:nvSpPr>
-        <p:spPr/>
-        <p:txBody>
-          <a:bodyPr/>
-          <a:lstStyle/>
-          <a:p>
-            <a:fld id="{47FEACEE-25B4-4A2D-B147-27296E36371D}" type="slidenum">
-              <a:rPr lang="en-US" altLang="zh-CN" smtClean="0"/>
-              <a:pPr/>
-              <a:t>10</a:t>
-            </a:fld>
-            <a:endParaRPr lang="en-US" altLang="zh-CN" dirty="0"/>
-          </a:p>
-        </p:txBody>
-      </p:sp>
-      <p:graphicFrame>
-        <p:nvGraphicFramePr>
-          <p:cNvPr id="7" name="Diagram 6">
-            <a:extLst>
-              <a:ext uri="{FF2B5EF4-FFF2-40B4-BE49-F238E27FC236}">
-                <a16:creationId xmlns:a16="http://schemas.microsoft.com/office/drawing/2014/main" id="{D81EF3BF-EA43-000F-CAB5-E9664F6CB6CA}"/>
-              </a:ext>
-            </a:extLst>
-          </p:cNvPr>
-          <p:cNvGraphicFramePr/>
-          <p:nvPr>
-            <p:extLst>
-              <p:ext uri="{D42A27DB-BD31-4B8C-83A1-F6EECF244321}">
-                <p14:modId xmlns:p14="http://schemas.microsoft.com/office/powerpoint/2010/main" val="196418354"/>
-              </p:ext>
-            </p:extLst>
-          </p:nvPr>
-        </p:nvGraphicFramePr>
-        <p:xfrm>
-          <a:off x="1881972" y="2088683"/>
-          <a:ext cx="5117161" cy="2865872"/>
-        </p:xfrm>
-        <a:graphic>
-          <a:graphicData uri="http://schemas.openxmlformats.org/drawingml/2006/diagram">
-            <dgm:relIds xmlns:dgm="http://schemas.openxmlformats.org/drawingml/2006/diagram" xmlns:r="http://schemas.openxmlformats.org/officeDocument/2006/relationships" r:dm="rId2" r:lo="rId3" r:qs="rId4" r:cs="rId5"/>
-          </a:graphicData>
-        </a:graphic>
-      </p:graphicFrame>
-    </p:spTree>
-    <p:extLst>
-      <p:ext uri="{BB962C8B-B14F-4D97-AF65-F5344CB8AC3E}">
-        <p14:creationId xmlns:p14="http://schemas.microsoft.com/office/powerpoint/2010/main" val="1389316509"/>
-      </p:ext>
-    </p:extLst>
-  </p:cSld>
-  <p:clrMapOvr>
-    <a:masterClrMapping/>
-  </p:clrMapOvr>
-</p:sld>
-</file>
-
-<file path=ppt/slides/slide11.xml><?xml version="1.0" encoding="utf-8"?>
-<p:sld xmlns:a="http://schemas.openxmlformats.org/drawingml/2006/main" xmlns:r="http://schemas.openxmlformats.org/officeDocument/2006/relationships" xmlns:p="http://schemas.openxmlformats.org/presentationml/2006/main">
-  <p:cSld>
-    <p:spTree>
-      <p:nvGrpSpPr>
-        <p:cNvPr id="1" name=""/>
-        <p:cNvGrpSpPr/>
-        <p:nvPr/>
-      </p:nvGrpSpPr>
-      <p:grpSpPr>
-        <a:xfrm>
-          <a:off x="0" y="0"/>
-          <a:ext cx="0" cy="0"/>
-          <a:chOff x="0" y="0"/>
-          <a:chExt cx="0" cy="0"/>
-        </a:xfrm>
-      </p:grpSpPr>
-      <p:sp>
-        <p:nvSpPr>
-          <p:cNvPr id="2" name="Title 1">
-            <a:extLst>
-              <a:ext uri="{FF2B5EF4-FFF2-40B4-BE49-F238E27FC236}">
                 <a16:creationId xmlns:a16="http://schemas.microsoft.com/office/drawing/2014/main" id="{FFB47650-0789-5E85-4BCD-5308192BF58C}"/>
               </a:ext>
             </a:extLst>
@@ -30140,7 +29909,7 @@
             <a:fld id="{47FEACEE-25B4-4A2D-B147-27296E36371D}" type="slidenum">
               <a:rPr lang="en-US" altLang="zh-CN" smtClean="0"/>
               <a:pPr/>
-              <a:t>11</a:t>
+              <a:t>10</a:t>
             </a:fld>
             <a:endParaRPr lang="en-US" altLang="zh-CN" dirty="0"/>
           </a:p>
@@ -30200,7 +29969,7 @@
 </p:sld>
 </file>
 
-<file path=ppt/slides/slide12.xml><?xml version="1.0" encoding="utf-8"?>
+<file path=ppt/slides/slide11.xml><?xml version="1.0" encoding="utf-8"?>
 <p:sld xmlns:a="http://schemas.openxmlformats.org/drawingml/2006/main" xmlns:r="http://schemas.openxmlformats.org/officeDocument/2006/relationships" xmlns:p="http://schemas.openxmlformats.org/presentationml/2006/main">
   <p:cSld>
     <p:spTree>
@@ -30269,7 +30038,7 @@
             <a:fld id="{47FEACEE-25B4-4A2D-B147-27296E36371D}" type="slidenum">
               <a:rPr lang="en-US" altLang="zh-CN" smtClean="0"/>
               <a:pPr/>
-              <a:t>12</a:t>
+              <a:t>11</a:t>
             </a:fld>
             <a:endParaRPr lang="en-US" altLang="zh-CN" dirty="0"/>
           </a:p>
@@ -30277,10 +30046,10 @@
       </p:sp>
       <p:pic>
         <p:nvPicPr>
-          <p:cNvPr id="7" name="Picture 6">
+          <p:cNvPr id="4" name="Picture 3">
             <a:extLst>
               <a:ext uri="{FF2B5EF4-FFF2-40B4-BE49-F238E27FC236}">
-                <a16:creationId xmlns:a16="http://schemas.microsoft.com/office/drawing/2014/main" id="{C3BF1ABD-4F98-0644-7DAA-F2AEFE90DF78}"/>
+                <a16:creationId xmlns:a16="http://schemas.microsoft.com/office/drawing/2014/main" id="{4072CF67-D7FA-9992-826F-D303103751EE}"/>
               </a:ext>
             </a:extLst>
           </p:cNvPr>
@@ -30290,30 +30059,19 @@
           <p:nvPr/>
         </p:nvPicPr>
         <p:blipFill>
-          <a:blip r:embed="rId2">
-            <a:extLst>
-              <a:ext uri="{28A0092B-C50C-407E-A947-70E740481C1C}">
-                <a14:useLocalDpi xmlns:a14="http://schemas.microsoft.com/office/drawing/2010/main" val="0"/>
-              </a:ext>
-            </a:extLst>
-          </a:blip>
-          <a:srcRect/>
+          <a:blip r:embed="rId2"/>
           <a:stretch>
             <a:fillRect/>
           </a:stretch>
         </p:blipFill>
-        <p:spPr bwMode="auto">
+        <p:spPr>
           <a:xfrm>
-            <a:off x="4348065" y="794206"/>
-            <a:ext cx="7843935" cy="5256498"/>
+            <a:off x="3861409" y="583143"/>
+            <a:ext cx="8330591" cy="5817339"/>
           </a:xfrm>
           <a:prstGeom prst="rect">
             <a:avLst/>
           </a:prstGeom>
-          <a:noFill/>
-          <a:ln>
-            <a:noFill/>
-          </a:ln>
         </p:spPr>
       </p:pic>
     </p:spTree>
@@ -30329,7 +30087,7 @@
 </p:sld>
 </file>
 
-<file path=ppt/slides/slide13.xml><?xml version="1.0" encoding="utf-8"?>
+<file path=ppt/slides/slide12.xml><?xml version="1.0" encoding="utf-8"?>
 <p:sld xmlns:a="http://schemas.openxmlformats.org/drawingml/2006/main" xmlns:r="http://schemas.openxmlformats.org/officeDocument/2006/relationships" xmlns:p="http://schemas.openxmlformats.org/presentationml/2006/main">
   <p:cSld>
     <p:spTree>
@@ -30409,7 +30167,7 @@
             <a:fld id="{47FEACEE-25B4-4A2D-B147-27296E36371D}" type="slidenum">
               <a:rPr lang="en-US" altLang="zh-CN" smtClean="0"/>
               <a:pPr/>
-              <a:t>13</a:t>
+              <a:t>12</a:t>
             </a:fld>
             <a:endParaRPr lang="en-US" altLang="zh-CN" dirty="0"/>
           </a:p>
@@ -30469,7 +30227,7 @@
 </p:sld>
 </file>
 
-<file path=ppt/slides/slide14.xml><?xml version="1.0" encoding="utf-8"?>
+<file path=ppt/slides/slide13.xml><?xml version="1.0" encoding="utf-8"?>
 <p:sld xmlns:a="http://schemas.openxmlformats.org/drawingml/2006/main" xmlns:r="http://schemas.openxmlformats.org/officeDocument/2006/relationships" xmlns:p="http://schemas.openxmlformats.org/presentationml/2006/main">
   <p:cSld>
     <p:spTree>
@@ -30549,7 +30307,7 @@
             <a:fld id="{47FEACEE-25B4-4A2D-B147-27296E36371D}" type="slidenum">
               <a:rPr lang="en-US" altLang="zh-CN" smtClean="0"/>
               <a:pPr/>
-              <a:t>14</a:t>
+              <a:t>13</a:t>
             </a:fld>
             <a:endParaRPr lang="en-US" altLang="zh-CN" dirty="0"/>
           </a:p>
@@ -30609,7 +30367,7 @@
 </p:sld>
 </file>
 
-<file path=ppt/slides/slide15.xml><?xml version="1.0" encoding="utf-8"?>
+<file path=ppt/slides/slide14.xml><?xml version="1.0" encoding="utf-8"?>
 <p:sld xmlns:a="http://schemas.openxmlformats.org/drawingml/2006/main" xmlns:r="http://schemas.openxmlformats.org/officeDocument/2006/relationships" xmlns:p="http://schemas.openxmlformats.org/presentationml/2006/main">
   <p:cSld>
     <p:spTree>
@@ -30642,7 +30400,12 @@
             <p:ph type="title"/>
           </p:nvPr>
         </p:nvSpPr>
-        <p:spPr/>
+        <p:spPr>
+          <a:xfrm>
+            <a:off x="418133" y="898012"/>
+            <a:ext cx="5117162" cy="1325563"/>
+          </a:xfrm>
+        </p:spPr>
         <p:txBody>
           <a:bodyPr/>
           <a:lstStyle/>
@@ -30672,8 +30435,8 @@
         </p:nvSpPr>
         <p:spPr>
           <a:xfrm>
-            <a:off x="509573" y="3435546"/>
-            <a:ext cx="8317185" cy="1294530"/>
+            <a:off x="418133" y="2248974"/>
+            <a:ext cx="8317185" cy="3711013"/>
           </a:xfrm>
         </p:spPr>
         <p:txBody>
@@ -30681,10 +30444,70 @@
           <a:lstStyle/>
           <a:p>
             <a:r>
-              <a:rPr lang="en-US" dirty="0"/>
-              <a:t>• The proposed enhancements for the SkillSwap platform aim to take the system beyond its basic functionality and transform it into a highly scalable, feature-rich and user-centric application. The system also proposed the implementing a skill rating and review system, allowing users to provide feedback on the quality of the sessions they attend. This would increase trust and credibility across the community. Additionally, introducing a smart skill-matching algorithm that uses AI or machine learning to recommend relevant connections based on user interests, location, skill level, and availability could greatly improve engagement and help users find the right learning partners more efficiently</a:t>
+              <a:rPr lang="en-US" sz="1600" dirty="0"/>
+              <a:t>The proposed enhancements for the SkillSwap platform aim to take the system beyond its basic functionality and transform it into a highly scalable, feature-rich and user-centric application. The system also proposed to implement following features: </a:t>
             </a:r>
-            <a:endParaRPr lang="en-IN" dirty="0"/>
+          </a:p>
+          <a:p>
+            <a:pPr marL="285750" indent="-285750">
+              <a:buFont typeface="Arial" panose="020B0604020202020204" pitchFamily="34" charset="0"/>
+              <a:buChar char="•"/>
+            </a:pPr>
+            <a:r>
+              <a:rPr lang="en-US" sz="1600" dirty="0"/>
+              <a:t>AI Chat Bot </a:t>
+            </a:r>
+          </a:p>
+          <a:p>
+            <a:pPr marL="285750" indent="-285750">
+              <a:buFont typeface="Arial" panose="020B0604020202020204" pitchFamily="34" charset="0"/>
+              <a:buChar char="•"/>
+            </a:pPr>
+            <a:r>
+              <a:rPr lang="en-US" sz="1600" dirty="0"/>
+              <a:t>Dynamic Skills Ratings &amp; recommendation </a:t>
+            </a:r>
+          </a:p>
+          <a:p>
+            <a:pPr marL="285750" indent="-285750">
+              <a:buFont typeface="Arial" panose="020B0604020202020204" pitchFamily="34" charset="0"/>
+              <a:buChar char="•"/>
+            </a:pPr>
+            <a:r>
+              <a:rPr lang="en-US" sz="1600" dirty="0"/>
+              <a:t>More scalable reach </a:t>
+            </a:r>
+          </a:p>
+          <a:p>
+            <a:pPr marL="285750" indent="-285750">
+              <a:buFont typeface="Arial" panose="020B0604020202020204" pitchFamily="34" charset="0"/>
+              <a:buChar char="•"/>
+            </a:pPr>
+            <a:r>
+              <a:rPr lang="en-US" sz="1600" dirty="0"/>
+              <a:t>More enhanced Chat Module with storing of messages </a:t>
+            </a:r>
+          </a:p>
+          <a:p>
+            <a:pPr marL="285750" indent="-285750">
+              <a:buFont typeface="Arial" panose="020B0604020202020204" pitchFamily="34" charset="0"/>
+              <a:buChar char="•"/>
+            </a:pPr>
+            <a:r>
+              <a:rPr lang="en-US" sz="1600" dirty="0"/>
+              <a:t>Enhanced payment module </a:t>
+            </a:r>
+          </a:p>
+          <a:p>
+            <a:pPr marL="285750" indent="-285750">
+              <a:buFont typeface="Arial" panose="020B0604020202020204" pitchFamily="34" charset="0"/>
+              <a:buChar char="•"/>
+            </a:pPr>
+            <a:r>
+              <a:rPr lang="en-US" sz="1600" dirty="0"/>
+              <a:t> Regular maintenance </a:t>
+            </a:r>
+            <a:endParaRPr lang="en-IN" sz="1600" dirty="0"/>
           </a:p>
         </p:txBody>
       </p:sp>
@@ -30712,7 +30535,7 @@
             <a:fld id="{47FEACEE-25B4-4A2D-B147-27296E36371D}" type="slidenum">
               <a:rPr lang="en-US" altLang="zh-CN" smtClean="0"/>
               <a:pPr/>
-              <a:t>15</a:t>
+              <a:t>14</a:t>
             </a:fld>
             <a:endParaRPr lang="en-US" altLang="zh-CN" dirty="0"/>
           </a:p>
@@ -30731,7 +30554,7 @@
 </p:sld>
 </file>
 
-<file path=ppt/slides/slide16.xml><?xml version="1.0" encoding="utf-8"?>
+<file path=ppt/slides/slide15.xml><?xml version="1.0" encoding="utf-8"?>
 <p:sld xmlns:a="http://schemas.openxmlformats.org/drawingml/2006/main" xmlns:r="http://schemas.openxmlformats.org/officeDocument/2006/relationships" xmlns:p="http://schemas.openxmlformats.org/presentationml/2006/main">
   <p:cSld>
     <p:spTree>
@@ -30801,7 +30624,7 @@
         <p:spPr>
           <a:xfrm>
             <a:off x="509573" y="3435546"/>
-            <a:ext cx="8317185" cy="1294530"/>
+            <a:ext cx="6876747" cy="2538534"/>
           </a:xfrm>
         </p:spPr>
         <p:txBody>
@@ -30809,10 +30632,10 @@
           <a:lstStyle/>
           <a:p>
             <a:r>
-              <a:rPr lang="en-US" dirty="0"/>
+              <a:rPr lang="en-US" sz="1600" dirty="0"/>
               <a:t>The Skill Swap platform offers a smart way for people to share and learn skills from each other. It helps users connect based on their interests, making learning more flexible, affordable, and community-driven. By allowing skill exchange, the platform encourages personal growth and builds a helpful network of learners and teachers. With planned improvements and user-friendly features, Skill Swap has the potential to become a valuable tool for lifelong learning and collaboration.</a:t>
             </a:r>
-            <a:endParaRPr lang="en-IN" dirty="0"/>
+            <a:endParaRPr lang="en-IN" sz="1600" dirty="0"/>
           </a:p>
         </p:txBody>
       </p:sp>
@@ -30840,7 +30663,7 @@
             <a:fld id="{47FEACEE-25B4-4A2D-B147-27296E36371D}" type="slidenum">
               <a:rPr lang="en-US" altLang="zh-CN" smtClean="0"/>
               <a:pPr/>
-              <a:t>16</a:t>
+              <a:t>15</a:t>
             </a:fld>
             <a:endParaRPr lang="en-US" altLang="zh-CN" dirty="0"/>
           </a:p>
@@ -30860,418 +30683,6 @@
 </file>
 
 <file path=ppt/slides/slide2.xml><?xml version="1.0" encoding="utf-8"?>
-<p:sld xmlns:a="http://schemas.openxmlformats.org/drawingml/2006/main" xmlns:r="http://schemas.openxmlformats.org/officeDocument/2006/relationships" xmlns:p="http://schemas.openxmlformats.org/presentationml/2006/main">
-  <p:cSld>
-    <p:spTree>
-      <p:nvGrpSpPr>
-        <p:cNvPr id="1" name=""/>
-        <p:cNvGrpSpPr/>
-        <p:nvPr/>
-      </p:nvGrpSpPr>
-      <p:grpSpPr>
-        <a:xfrm>
-          <a:off x="0" y="0"/>
-          <a:ext cx="0" cy="0"/>
-          <a:chOff x="0" y="0"/>
-          <a:chExt cx="0" cy="0"/>
-        </a:xfrm>
-      </p:grpSpPr>
-      <p:sp>
-        <p:nvSpPr>
-          <p:cNvPr id="19" name="Title 18">
-            <a:extLst>
-              <a:ext uri="{FF2B5EF4-FFF2-40B4-BE49-F238E27FC236}">
-                <a16:creationId xmlns:a16="http://schemas.microsoft.com/office/drawing/2014/main" id="{5DF64211-DCD8-B458-DBD2-EBDA7AE3396F}"/>
-              </a:ext>
-            </a:extLst>
-          </p:cNvPr>
-          <p:cNvSpPr>
-            <a:spLocks noGrp="1"/>
-          </p:cNvSpPr>
-          <p:nvPr>
-            <p:ph type="title"/>
-          </p:nvPr>
-        </p:nvSpPr>
-        <p:spPr/>
-        <p:txBody>
-          <a:bodyPr/>
-          <a:lstStyle/>
-          <a:p>
-            <a:r>
-              <a:rPr lang="en-US" altLang="zh-CN" dirty="0"/>
-              <a:t>Agenda</a:t>
-            </a:r>
-            <a:endParaRPr lang="en-US" dirty="0"/>
-          </a:p>
-        </p:txBody>
-      </p:sp>
-      <p:sp>
-        <p:nvSpPr>
-          <p:cNvPr id="16" name="Text Placeholder 15">
-            <a:extLst>
-              <a:ext uri="{FF2B5EF4-FFF2-40B4-BE49-F238E27FC236}">
-                <a16:creationId xmlns:a16="http://schemas.microsoft.com/office/drawing/2014/main" id="{8FEA3BB9-F064-CFBE-C0BE-BB7A22A4DCFC}"/>
-              </a:ext>
-            </a:extLst>
-          </p:cNvPr>
-          <p:cNvSpPr>
-            <a:spLocks noGrp="1"/>
-          </p:cNvSpPr>
-          <p:nvPr>
-            <p:ph type="body" sz="quarter" idx="28"/>
-          </p:nvPr>
-        </p:nvSpPr>
-        <p:spPr/>
-        <p:txBody>
-          <a:bodyPr/>
-          <a:lstStyle/>
-          <a:p>
-            <a:r>
-              <a:rPr lang="en-US" dirty="0"/>
-              <a:t>Introduction</a:t>
-            </a:r>
-          </a:p>
-        </p:txBody>
-      </p:sp>
-      <p:sp>
-        <p:nvSpPr>
-          <p:cNvPr id="9" name="Text Placeholder 8">
-            <a:extLst>
-              <a:ext uri="{FF2B5EF4-FFF2-40B4-BE49-F238E27FC236}">
-                <a16:creationId xmlns:a16="http://schemas.microsoft.com/office/drawing/2014/main" id="{78024C77-A2F8-1ABA-5412-E6BB88B5FA1B}"/>
-              </a:ext>
-            </a:extLst>
-          </p:cNvPr>
-          <p:cNvSpPr>
-            <a:spLocks noGrp="1"/>
-          </p:cNvSpPr>
-          <p:nvPr>
-            <p:ph type="body" sz="quarter" idx="29"/>
-          </p:nvPr>
-        </p:nvSpPr>
-        <p:spPr/>
-        <p:txBody>
-          <a:bodyPr/>
-          <a:lstStyle/>
-          <a:p>
-            <a:r>
-              <a:rPr lang="en-US" dirty="0"/>
-              <a:t>Timeline</a:t>
-            </a:r>
-          </a:p>
-        </p:txBody>
-      </p:sp>
-      <p:sp>
-        <p:nvSpPr>
-          <p:cNvPr id="18" name="Text Placeholder 17">
-            <a:extLst>
-              <a:ext uri="{FF2B5EF4-FFF2-40B4-BE49-F238E27FC236}">
-                <a16:creationId xmlns:a16="http://schemas.microsoft.com/office/drawing/2014/main" id="{241202DB-E499-EB19-8A48-A3301DA59ED7}"/>
-              </a:ext>
-            </a:extLst>
-          </p:cNvPr>
-          <p:cNvSpPr>
-            <a:spLocks noGrp="1"/>
-          </p:cNvSpPr>
-          <p:nvPr>
-            <p:ph type="body" sz="quarter" idx="30"/>
-          </p:nvPr>
-        </p:nvSpPr>
-        <p:spPr/>
-        <p:txBody>
-          <a:bodyPr/>
-          <a:lstStyle/>
-          <a:p>
-            <a:r>
-              <a:rPr lang="en-US" dirty="0"/>
-              <a:t>Areas of growth</a:t>
-            </a:r>
-          </a:p>
-        </p:txBody>
-      </p:sp>
-      <p:sp>
-        <p:nvSpPr>
-          <p:cNvPr id="22" name="Text Placeholder 21">
-            <a:extLst>
-              <a:ext uri="{FF2B5EF4-FFF2-40B4-BE49-F238E27FC236}">
-                <a16:creationId xmlns:a16="http://schemas.microsoft.com/office/drawing/2014/main" id="{D5402852-C1AD-6A4E-DAA7-0AE582A742FD}"/>
-              </a:ext>
-            </a:extLst>
-          </p:cNvPr>
-          <p:cNvSpPr>
-            <a:spLocks noGrp="1"/>
-          </p:cNvSpPr>
-          <p:nvPr>
-            <p:ph type="body" sz="quarter" idx="31"/>
-          </p:nvPr>
-        </p:nvSpPr>
-        <p:spPr/>
-        <p:txBody>
-          <a:bodyPr/>
-          <a:lstStyle/>
-          <a:p>
-            <a:r>
-              <a:rPr lang="en-US" dirty="0"/>
-              <a:t>Summary</a:t>
-            </a:r>
-          </a:p>
-        </p:txBody>
-      </p:sp>
-      <p:sp>
-        <p:nvSpPr>
-          <p:cNvPr id="24" name="Text Placeholder 23">
-            <a:extLst>
-              <a:ext uri="{FF2B5EF4-FFF2-40B4-BE49-F238E27FC236}">
-                <a16:creationId xmlns:a16="http://schemas.microsoft.com/office/drawing/2014/main" id="{ABF1D337-2A3C-A0FB-A6CD-5E4B9D6DFD91}"/>
-              </a:ext>
-            </a:extLst>
-          </p:cNvPr>
-          <p:cNvSpPr>
-            <a:spLocks noGrp="1"/>
-          </p:cNvSpPr>
-          <p:nvPr>
-            <p:ph type="body" sz="quarter" idx="32"/>
-          </p:nvPr>
-        </p:nvSpPr>
-        <p:spPr/>
-        <p:txBody>
-          <a:bodyPr/>
-          <a:lstStyle/>
-          <a:p>
-            <a:r>
-              <a:rPr lang="en-US" dirty="0"/>
-              <a:t>Primary goals</a:t>
-            </a:r>
-          </a:p>
-        </p:txBody>
-      </p:sp>
-      <p:sp>
-        <p:nvSpPr>
-          <p:cNvPr id="21" name="Footer Placeholder 19">
-            <a:extLst>
-              <a:ext uri="{FF2B5EF4-FFF2-40B4-BE49-F238E27FC236}">
-                <a16:creationId xmlns:a16="http://schemas.microsoft.com/office/drawing/2014/main" id="{A6E539FA-B60E-5585-524F-1BFA8C5B3E2F}"/>
-              </a:ext>
-            </a:extLst>
-          </p:cNvPr>
-          <p:cNvSpPr txBox="1">
-            <a:spLocks/>
-          </p:cNvSpPr>
-          <p:nvPr/>
-        </p:nvSpPr>
-        <p:spPr>
-          <a:xfrm>
-            <a:off x="486699" y="6085719"/>
-            <a:ext cx="4114800" cy="365125"/>
-          </a:xfrm>
-          <a:prstGeom prst="rect">
-            <a:avLst/>
-          </a:prstGeom>
-        </p:spPr>
-        <p:txBody>
-          <a:bodyPr anchor="ctr"/>
-          <a:lstStyle>
-            <a:defPPr>
-              <a:defRPr lang="zh-CN"/>
-            </a:defPPr>
-            <a:lvl1pPr marL="0" algn="l" defTabSz="914400" rtl="0" eaLnBrk="1" latinLnBrk="0" hangingPunct="1">
-              <a:defRPr sz="1200" b="0" i="0" kern="1200">
-                <a:solidFill>
-                  <a:schemeClr val="tx1"/>
-                </a:solidFill>
-                <a:latin typeface="Abadi" panose="020B0604020104020204" pitchFamily="34" charset="0"/>
-                <a:ea typeface="+mn-ea"/>
-                <a:cs typeface="+mn-cs"/>
-              </a:defRPr>
-            </a:lvl1pPr>
-            <a:lvl2pPr marL="457200" algn="l" defTabSz="914400" rtl="0" eaLnBrk="1" latinLnBrk="0" hangingPunct="1">
-              <a:defRPr sz="1800" kern="1200">
-                <a:solidFill>
-                  <a:schemeClr val="tx1"/>
-                </a:solidFill>
-                <a:latin typeface="+mn-lt"/>
-                <a:ea typeface="+mn-ea"/>
-                <a:cs typeface="+mn-cs"/>
-              </a:defRPr>
-            </a:lvl2pPr>
-            <a:lvl3pPr marL="914400" algn="l" defTabSz="914400" rtl="0" eaLnBrk="1" latinLnBrk="0" hangingPunct="1">
-              <a:defRPr sz="1800" kern="1200">
-                <a:solidFill>
-                  <a:schemeClr val="tx1"/>
-                </a:solidFill>
-                <a:latin typeface="+mn-lt"/>
-                <a:ea typeface="+mn-ea"/>
-                <a:cs typeface="+mn-cs"/>
-              </a:defRPr>
-            </a:lvl3pPr>
-            <a:lvl4pPr marL="1371600" algn="l" defTabSz="914400" rtl="0" eaLnBrk="1" latinLnBrk="0" hangingPunct="1">
-              <a:defRPr sz="1800" kern="1200">
-                <a:solidFill>
-                  <a:schemeClr val="tx1"/>
-                </a:solidFill>
-                <a:latin typeface="+mn-lt"/>
-                <a:ea typeface="+mn-ea"/>
-                <a:cs typeface="+mn-cs"/>
-              </a:defRPr>
-            </a:lvl4pPr>
-            <a:lvl5pPr marL="1828800" algn="l" defTabSz="914400" rtl="0" eaLnBrk="1" latinLnBrk="0" hangingPunct="1">
-              <a:defRPr sz="1800" kern="1200">
-                <a:solidFill>
-                  <a:schemeClr val="tx1"/>
-                </a:solidFill>
-                <a:latin typeface="+mn-lt"/>
-                <a:ea typeface="+mn-ea"/>
-                <a:cs typeface="+mn-cs"/>
-              </a:defRPr>
-            </a:lvl5pPr>
-            <a:lvl6pPr marL="2286000" algn="l" defTabSz="914400" rtl="0" eaLnBrk="1" latinLnBrk="0" hangingPunct="1">
-              <a:defRPr sz="1800" kern="1200">
-                <a:solidFill>
-                  <a:schemeClr val="tx1"/>
-                </a:solidFill>
-                <a:latin typeface="+mn-lt"/>
-                <a:ea typeface="+mn-ea"/>
-                <a:cs typeface="+mn-cs"/>
-              </a:defRPr>
-            </a:lvl6pPr>
-            <a:lvl7pPr marL="2743200" algn="l" defTabSz="914400" rtl="0" eaLnBrk="1" latinLnBrk="0" hangingPunct="1">
-              <a:defRPr sz="1800" kern="1200">
-                <a:solidFill>
-                  <a:schemeClr val="tx1"/>
-                </a:solidFill>
-                <a:latin typeface="+mn-lt"/>
-                <a:ea typeface="+mn-ea"/>
-                <a:cs typeface="+mn-cs"/>
-              </a:defRPr>
-            </a:lvl7pPr>
-            <a:lvl8pPr marL="3200400" algn="l" defTabSz="914400" rtl="0" eaLnBrk="1" latinLnBrk="0" hangingPunct="1">
-              <a:defRPr sz="1800" kern="1200">
-                <a:solidFill>
-                  <a:schemeClr val="tx1"/>
-                </a:solidFill>
-                <a:latin typeface="+mn-lt"/>
-                <a:ea typeface="+mn-ea"/>
-                <a:cs typeface="+mn-cs"/>
-              </a:defRPr>
-            </a:lvl8pPr>
-            <a:lvl9pPr marL="3657600" algn="l" defTabSz="914400" rtl="0" eaLnBrk="1" latinLnBrk="0" hangingPunct="1">
-              <a:defRPr sz="1800" kern="1200">
-                <a:solidFill>
-                  <a:schemeClr val="tx1"/>
-                </a:solidFill>
-                <a:latin typeface="+mn-lt"/>
-                <a:ea typeface="+mn-ea"/>
-                <a:cs typeface="+mn-cs"/>
-              </a:defRPr>
-            </a:lvl9pPr>
-          </a:lstStyle>
-          <a:p>
-            <a:pPr marL="0" marR="0" lvl="0" indent="0" algn="l" defTabSz="914400" rtl="0" eaLnBrk="1" fontAlgn="auto" latinLnBrk="0" hangingPunct="1">
-              <a:lnSpc>
-                <a:spcPct val="100000"/>
-              </a:lnSpc>
-              <a:spcBef>
-                <a:spcPts val="0"/>
-              </a:spcBef>
-              <a:spcAft>
-                <a:spcPts val="0"/>
-              </a:spcAft>
-              <a:buClrTx/>
-              <a:buSzTx/>
-              <a:buFontTx/>
-              <a:buNone/>
-              <a:tabLst/>
-              <a:defRPr/>
-            </a:pPr>
-            <a:r>
-              <a:rPr kumimoji="0" lang="en-US" sz="1200" u="none" strike="noStrike" kern="1200" cap="none" spc="0" normalizeH="0" baseline="0" noProof="0" dirty="0">
-                <a:ln>
-                  <a:noFill/>
-                </a:ln>
-                <a:solidFill>
-                  <a:schemeClr val="bg1"/>
-                </a:solidFill>
-                <a:effectLst/>
-                <a:uLnTx/>
-                <a:uFillTx/>
-              </a:rPr>
-              <a:t>Presentation Title</a:t>
-            </a:r>
-          </a:p>
-        </p:txBody>
-      </p:sp>
-      <p:sp>
-        <p:nvSpPr>
-          <p:cNvPr id="8" name="Footer Placeholder 7">
-            <a:extLst>
-              <a:ext uri="{FF2B5EF4-FFF2-40B4-BE49-F238E27FC236}">
-                <a16:creationId xmlns:a16="http://schemas.microsoft.com/office/drawing/2014/main" id="{D36D0CF6-7418-9349-F7A8-045EA96B2D03}"/>
-              </a:ext>
-            </a:extLst>
-          </p:cNvPr>
-          <p:cNvSpPr>
-            <a:spLocks noGrp="1"/>
-          </p:cNvSpPr>
-          <p:nvPr>
-            <p:ph type="ftr" sz="quarter" idx="33"/>
-          </p:nvPr>
-        </p:nvSpPr>
-        <p:spPr/>
-        <p:txBody>
-          <a:bodyPr/>
-          <a:lstStyle/>
-          <a:p>
-            <a:r>
-              <a:rPr lang="en-US" dirty="0"/>
-              <a:t>SkillSwap</a:t>
-            </a:r>
-          </a:p>
-        </p:txBody>
-      </p:sp>
-      <p:sp>
-        <p:nvSpPr>
-          <p:cNvPr id="10" name="Slide Number Placeholder 9">
-            <a:extLst>
-              <a:ext uri="{FF2B5EF4-FFF2-40B4-BE49-F238E27FC236}">
-                <a16:creationId xmlns:a16="http://schemas.microsoft.com/office/drawing/2014/main" id="{CBE681AB-301C-4DC8-7FBD-FAA2CC6606AE}"/>
-              </a:ext>
-            </a:extLst>
-          </p:cNvPr>
-          <p:cNvSpPr>
-            <a:spLocks noGrp="1"/>
-          </p:cNvSpPr>
-          <p:nvPr>
-            <p:ph type="sldNum" sz="quarter" idx="34"/>
-          </p:nvPr>
-        </p:nvSpPr>
-        <p:spPr/>
-        <p:txBody>
-          <a:bodyPr/>
-          <a:lstStyle/>
-          <a:p>
-            <a:fld id="{47FEACEE-25B4-4A2D-B147-27296E36371D}" type="slidenum">
-              <a:rPr lang="en-US" altLang="zh-CN" smtClean="0"/>
-              <a:pPr/>
-              <a:t>2</a:t>
-            </a:fld>
-            <a:endParaRPr lang="en-US" altLang="zh-CN" dirty="0"/>
-          </a:p>
-        </p:txBody>
-      </p:sp>
-    </p:spTree>
-    <p:extLst>
-      <p:ext uri="{BB962C8B-B14F-4D97-AF65-F5344CB8AC3E}">
-        <p14:creationId xmlns:p14="http://schemas.microsoft.com/office/powerpoint/2010/main" val="2775535166"/>
-      </p:ext>
-    </p:extLst>
-  </p:cSld>
-  <p:clrMapOvr>
-    <a:masterClrMapping/>
-  </p:clrMapOvr>
-</p:sld>
-</file>
-
-<file path=ppt/slides/slide3.xml><?xml version="1.0" encoding="utf-8"?>
 <p:sld xmlns:a="http://schemas.openxmlformats.org/drawingml/2006/main" xmlns:r="http://schemas.openxmlformats.org/officeDocument/2006/relationships" xmlns:p="http://schemas.openxmlformats.org/presentationml/2006/main">
   <p:cSld>
     <p:spTree>
@@ -31362,7 +30773,46 @@
                 <a:ea typeface="Tahoma" panose="020B0604030504040204" pitchFamily="34" charset="0"/>
                 <a:cs typeface="Tahoma" panose="020B0604030504040204" pitchFamily="34" charset="0"/>
               </a:rPr>
-              <a:t>The new currency in today's fast-paced, constantly-changing world is talents. But not everyone can afford professional instruction, and not everyone has equal access to high-quality learning materials. This is the role of SkillSwap, a peer-to-peer collaborative network that allows people to share talents and information without exchanging money. </a:t>
+              <a:t>The new currency in today's fast-paced, constantly-changing world is talents. But not everyone can </a:t>
+            </a:r>
+            <a:r>
+              <a:rPr lang="en-IN" sz="1200" b="1" kern="100" dirty="0">
+                <a:effectLst/>
+                <a:latin typeface="Tahoma" panose="020B0604030504040204" pitchFamily="34" charset="0"/>
+                <a:ea typeface="Tahoma" panose="020B0604030504040204" pitchFamily="34" charset="0"/>
+                <a:cs typeface="Tahoma" panose="020B0604030504040204" pitchFamily="34" charset="0"/>
+              </a:rPr>
+              <a:t>afford</a:t>
+            </a:r>
+            <a:r>
+              <a:rPr lang="en-IN" sz="1200" kern="100" dirty="0">
+                <a:effectLst/>
+                <a:latin typeface="Tahoma" panose="020B0604030504040204" pitchFamily="34" charset="0"/>
+                <a:ea typeface="Tahoma" panose="020B0604030504040204" pitchFamily="34" charset="0"/>
+                <a:cs typeface="Tahoma" panose="020B0604030504040204" pitchFamily="34" charset="0"/>
+              </a:rPr>
+              <a:t> professional instruction, and not everyone has equal access to high-quality learning materials. This is the role of SkillSwap, a </a:t>
+            </a:r>
+            <a:r>
+              <a:rPr lang="en-IN" sz="1200" b="1" kern="100" dirty="0">
+                <a:solidFill>
+                  <a:srgbClr val="FF0000"/>
+                </a:solidFill>
+                <a:effectLst/>
+                <a:latin typeface="Tahoma" panose="020B0604030504040204" pitchFamily="34" charset="0"/>
+                <a:ea typeface="Tahoma" panose="020B0604030504040204" pitchFamily="34" charset="0"/>
+                <a:cs typeface="Tahoma" panose="020B0604030504040204" pitchFamily="34" charset="0"/>
+              </a:rPr>
+              <a:t>peer-to-peer</a:t>
+            </a:r>
+            <a:r>
+              <a:rPr lang="en-IN" sz="1200" kern="100" dirty="0">
+                <a:effectLst/>
+                <a:latin typeface="Tahoma" panose="020B0604030504040204" pitchFamily="34" charset="0"/>
+                <a:ea typeface="Tahoma" panose="020B0604030504040204" pitchFamily="34" charset="0"/>
+                <a:cs typeface="Tahoma" panose="020B0604030504040204" pitchFamily="34" charset="0"/>
+              </a:rPr>
+              <a:t> collaborative network that allows people to share talents and information.</a:t>
             </a:r>
           </a:p>
           <a:p>
@@ -31588,7 +31038,7 @@
             <a:fld id="{47FEACEE-25B4-4A2D-B147-27296E36371D}" type="slidenum">
               <a:rPr lang="en-US" altLang="zh-CN" smtClean="0"/>
               <a:pPr/>
-              <a:t>3</a:t>
+              <a:t>2</a:t>
             </a:fld>
             <a:endParaRPr lang="en-US" altLang="zh-CN" dirty="0"/>
           </a:p>
@@ -31607,7 +31057,7 @@
 </p:sld>
 </file>
 
-<file path=ppt/slides/slide4.xml><?xml version="1.0" encoding="utf-8"?>
+<file path=ppt/slides/slide3.xml><?xml version="1.0" encoding="utf-8"?>
 <p:sld xmlns:a="http://schemas.openxmlformats.org/drawingml/2006/main" xmlns:r="http://schemas.openxmlformats.org/officeDocument/2006/relationships" xmlns:p="http://schemas.openxmlformats.org/presentationml/2006/main">
   <p:cSld>
     <p:spTree>
@@ -31801,7 +31251,7 @@
             <a:fld id="{47FEACEE-25B4-4A2D-B147-27296E36371D}" type="slidenum">
               <a:rPr lang="en-US" altLang="zh-CN" smtClean="0"/>
               <a:pPr/>
-              <a:t>4</a:t>
+              <a:t>3</a:t>
             </a:fld>
             <a:endParaRPr lang="en-US" altLang="zh-CN" dirty="0"/>
           </a:p>
@@ -31820,7 +31270,7 @@
 </p:sld>
 </file>
 
-<file path=ppt/slides/slide5.xml><?xml version="1.0" encoding="utf-8"?>
+<file path=ppt/slides/slide4.xml><?xml version="1.0" encoding="utf-8"?>
 <p:sld xmlns:a="http://schemas.openxmlformats.org/drawingml/2006/main" xmlns:r="http://schemas.openxmlformats.org/officeDocument/2006/relationships" xmlns:p="http://schemas.openxmlformats.org/presentationml/2006/main">
   <p:cSld>
     <p:spTree>
@@ -31853,12 +31303,23 @@
             <p:ph type="title"/>
           </p:nvPr>
         </p:nvSpPr>
-        <p:spPr/>
+        <p:spPr>
+          <a:xfrm>
+            <a:off x="5533053" y="2016579"/>
+            <a:ext cx="5618645" cy="2775857"/>
+          </a:xfrm>
+        </p:spPr>
         <p:txBody>
           <a:bodyPr/>
           <a:lstStyle/>
           <a:p>
-            <a:pPr algn="just"/>
+            <a:pPr marL="285750" indent="-285750">
+              <a:lnSpc>
+                <a:spcPct val="100000"/>
+              </a:lnSpc>
+              <a:buFont typeface="Arial" panose="020B0604020202020204" pitchFamily="34" charset="0"/>
+              <a:buChar char="•"/>
+            </a:pPr>
             <a:r>
               <a:rPr lang="en-IN" sz="1600" b="0" kern="100" dirty="0">
                 <a:effectLst/>
@@ -31866,7 +31327,104 @@
                 <a:ea typeface="Tahoma" panose="020B0604030504040204" pitchFamily="34" charset="0"/>
                 <a:cs typeface="Times New Roman" panose="02020603050405020304" pitchFamily="18" charset="0"/>
               </a:rPr>
-              <a:t>The objective of SkillSwap is to create a collaborative, peer-to-peer platform where users can exchange skills and knowledge. The system aims to connect individuals based on their teachable and learnable skills, enabling them to grow personally and professionally through mutual learning, interactive sessions, and a community-driven environment. It promotes affordable, accessible, and personalized education by facilitating skill listings, search, filtering, and request-based exchange workflows — all built on a secure and user-friendly MEAN stack infrastructure.</a:t>
+              <a:t>The objective of SkillSwap is to create a collaborative, </a:t>
+            </a:r>
+            <a:r>
+              <a:rPr lang="en-IN" sz="1600" kern="100" dirty="0">
+                <a:effectLst/>
+                <a:latin typeface="Times New Roman" panose="02020603050405020304" pitchFamily="18" charset="0"/>
+                <a:ea typeface="Tahoma" panose="020B0604030504040204" pitchFamily="34" charset="0"/>
+                <a:cs typeface="Times New Roman" panose="02020603050405020304" pitchFamily="18" charset="0"/>
+              </a:rPr>
+              <a:t>peer-to-peer</a:t>
+            </a:r>
+            <a:r>
+              <a:rPr lang="en-IN" sz="1600" b="0" kern="100" dirty="0">
+                <a:effectLst/>
+                <a:latin typeface="Times New Roman" panose="02020603050405020304" pitchFamily="18" charset="0"/>
+                <a:ea typeface="Tahoma" panose="020B0604030504040204" pitchFamily="34" charset="0"/>
+                <a:cs typeface="Times New Roman" panose="02020603050405020304" pitchFamily="18" charset="0"/>
+              </a:rPr>
+              <a:t> platform where users can exchange skills and knowledge. The system aims to connect individuals based on their teachable and learnable skills, enabling them to </a:t>
+            </a:r>
+            <a:r>
+              <a:rPr lang="en-IN" sz="1600" kern="100" dirty="0">
+                <a:effectLst/>
+                <a:latin typeface="Times New Roman" panose="02020603050405020304" pitchFamily="18" charset="0"/>
+                <a:ea typeface="Tahoma" panose="020B0604030504040204" pitchFamily="34" charset="0"/>
+                <a:cs typeface="Times New Roman" panose="02020603050405020304" pitchFamily="18" charset="0"/>
+              </a:rPr>
+              <a:t>grow </a:t>
+            </a:r>
+            <a:r>
+              <a:rPr lang="en-IN" sz="1600" b="0" kern="100" dirty="0">
+                <a:effectLst/>
+                <a:latin typeface="Times New Roman" panose="02020603050405020304" pitchFamily="18" charset="0"/>
+                <a:ea typeface="Tahoma" panose="020B0604030504040204" pitchFamily="34" charset="0"/>
+                <a:cs typeface="Times New Roman" panose="02020603050405020304" pitchFamily="18" charset="0"/>
+              </a:rPr>
+              <a:t>personally and professionally through mutual learning, interactive sessions, and a community-driven </a:t>
+            </a:r>
+            <a:r>
+              <a:rPr lang="en-IN" sz="1600" kern="100" dirty="0">
+                <a:effectLst/>
+                <a:latin typeface="Times New Roman" panose="02020603050405020304" pitchFamily="18" charset="0"/>
+                <a:ea typeface="Tahoma" panose="020B0604030504040204" pitchFamily="34" charset="0"/>
+                <a:cs typeface="Times New Roman" panose="02020603050405020304" pitchFamily="18" charset="0"/>
+              </a:rPr>
+              <a:t>environment</a:t>
+            </a:r>
+            <a:r>
+              <a:rPr lang="en-IN" sz="1600" b="0" kern="100" dirty="0">
+                <a:effectLst/>
+                <a:latin typeface="Times New Roman" panose="02020603050405020304" pitchFamily="18" charset="0"/>
+                <a:ea typeface="Tahoma" panose="020B0604030504040204" pitchFamily="34" charset="0"/>
+                <a:cs typeface="Times New Roman" panose="02020603050405020304" pitchFamily="18" charset="0"/>
+              </a:rPr>
+              <a:t>.  </a:t>
+            </a:r>
+            <a:br>
+              <a:rPr lang="en-IN" sz="1600" b="0" kern="100" dirty="0">
+                <a:effectLst/>
+                <a:latin typeface="Times New Roman" panose="02020603050405020304" pitchFamily="18" charset="0"/>
+                <a:ea typeface="Tahoma" panose="020B0604030504040204" pitchFamily="34" charset="0"/>
+                <a:cs typeface="Times New Roman" panose="02020603050405020304" pitchFamily="18" charset="0"/>
+              </a:rPr>
+            </a:br>
+            <a:br>
+              <a:rPr lang="en-IN" sz="1600" b="0" kern="100" dirty="0">
+                <a:effectLst/>
+                <a:latin typeface="Times New Roman" panose="02020603050405020304" pitchFamily="18" charset="0"/>
+                <a:ea typeface="Tahoma" panose="020B0604030504040204" pitchFamily="34" charset="0"/>
+                <a:cs typeface="Times New Roman" panose="02020603050405020304" pitchFamily="18" charset="0"/>
+              </a:rPr>
+            </a:br>
+            <a:r>
+              <a:rPr lang="en-IN" sz="1600" b="0" kern="100" dirty="0">
+                <a:effectLst/>
+                <a:latin typeface="Times New Roman" panose="02020603050405020304" pitchFamily="18" charset="0"/>
+                <a:ea typeface="Tahoma" panose="020B0604030504040204" pitchFamily="34" charset="0"/>
+                <a:cs typeface="Times New Roman" panose="02020603050405020304" pitchFamily="18" charset="0"/>
+              </a:rPr>
+              <a:t>It promotes affordable, accessible, and personalized education by facilitating </a:t>
+            </a:r>
+            <a:r>
+              <a:rPr lang="en-IN" sz="1600" b="0" u="sng" kern="100" dirty="0">
+                <a:effectLst/>
+                <a:latin typeface="Times New Roman" panose="02020603050405020304" pitchFamily="18" charset="0"/>
+                <a:ea typeface="Tahoma" panose="020B0604030504040204" pitchFamily="34" charset="0"/>
+                <a:cs typeface="Times New Roman" panose="02020603050405020304" pitchFamily="18" charset="0"/>
+              </a:rPr>
+              <a:t>skill listings, search, filtering,</a:t>
+            </a:r>
+            <a:r>
+              <a:rPr lang="en-IN" sz="1600" b="0" kern="100" dirty="0">
+                <a:effectLst/>
+                <a:latin typeface="Times New Roman" panose="02020603050405020304" pitchFamily="18" charset="0"/>
+                <a:ea typeface="Tahoma" panose="020B0604030504040204" pitchFamily="34" charset="0"/>
+                <a:cs typeface="Times New Roman" panose="02020603050405020304" pitchFamily="18" charset="0"/>
+              </a:rPr>
+              <a:t> and request-based exchange workflows — all built on a secure and user-friendly MEAN stack infrastructure.</a:t>
             </a:r>
             <a:br>
               <a:rPr lang="en-IN" sz="1600" b="0" kern="100" dirty="0">
@@ -31961,7 +31519,7 @@
 </p:sld>
 </file>
 
-<file path=ppt/slides/slide6.xml><?xml version="1.0" encoding="utf-8"?>
+<file path=ppt/slides/slide5.xml><?xml version="1.0" encoding="utf-8"?>
 <p:sld xmlns:a="http://schemas.openxmlformats.org/drawingml/2006/main" xmlns:r="http://schemas.openxmlformats.org/officeDocument/2006/relationships" xmlns:p="http://schemas.openxmlformats.org/presentationml/2006/main">
   <p:cSld>
     <p:spTree>
@@ -32012,7 +31570,61 @@
                 <a:ea typeface="Cambria" panose="02040503050406030204" pitchFamily="18" charset="0"/>
                 <a:cs typeface="Times New Roman" panose="02020603050405020304" pitchFamily="18" charset="0"/>
               </a:rPr>
-              <a:t>In the current digital age, acquiring new skills often requires enrolling in expensive courses, relying on static self-learning resources, or struggling to find personalized guidance. These traditional methods create financial, geographical, and accessibility barriers, especially for learners who seek affordable and collaborative learning opportunities. By overcoming these issues, the system provides centralized platform which enables users to interact with each other exchange their skills and thoughts by promoting community-based skill learning</a:t>
+              <a:t>In the current digital age, acquiring new skills often requires enrolling in expensive courses, relying on static </a:t>
+            </a:r>
+            <a:r>
+              <a:rPr lang="en-IN" sz="1600" kern="100" dirty="0">
+                <a:effectLst/>
+                <a:latin typeface="Times New Roman" panose="02020603050405020304" pitchFamily="18" charset="0"/>
+                <a:ea typeface="Cambria" panose="02040503050406030204" pitchFamily="18" charset="0"/>
+                <a:cs typeface="Times New Roman" panose="02020603050405020304" pitchFamily="18" charset="0"/>
+              </a:rPr>
+              <a:t>self-learning</a:t>
+            </a:r>
+            <a:r>
+              <a:rPr lang="en-IN" sz="1600" b="0" kern="100" dirty="0">
+                <a:effectLst/>
+                <a:latin typeface="Times New Roman" panose="02020603050405020304" pitchFamily="18" charset="0"/>
+                <a:ea typeface="Cambria" panose="02040503050406030204" pitchFamily="18" charset="0"/>
+                <a:cs typeface="Times New Roman" panose="02020603050405020304" pitchFamily="18" charset="0"/>
+              </a:rPr>
+              <a:t> resources, or struggling to find personalized guidance. These traditional methods create financial, geographical, and accessibility barriers, especially for learners who seek affordable and </a:t>
+            </a:r>
+            <a:r>
+              <a:rPr lang="en-IN" sz="1600" kern="100" dirty="0">
+                <a:effectLst/>
+                <a:latin typeface="Times New Roman" panose="02020603050405020304" pitchFamily="18" charset="0"/>
+                <a:ea typeface="Cambria" panose="02040503050406030204" pitchFamily="18" charset="0"/>
+                <a:cs typeface="Times New Roman" panose="02020603050405020304" pitchFamily="18" charset="0"/>
+              </a:rPr>
+              <a:t>collaborative</a:t>
+            </a:r>
+            <a:r>
+              <a:rPr lang="en-IN" sz="1600" b="0" kern="100" dirty="0">
+                <a:effectLst/>
+                <a:latin typeface="Times New Roman" panose="02020603050405020304" pitchFamily="18" charset="0"/>
+                <a:ea typeface="Cambria" panose="02040503050406030204" pitchFamily="18" charset="0"/>
+                <a:cs typeface="Times New Roman" panose="02020603050405020304" pitchFamily="18" charset="0"/>
+              </a:rPr>
+              <a:t> learning opportunities. By overcoming these issues, the system provides centralized </a:t>
+            </a:r>
+            <a:r>
+              <a:rPr lang="en-IN" sz="1600" kern="100" dirty="0">
+                <a:effectLst/>
+                <a:latin typeface="Times New Roman" panose="02020603050405020304" pitchFamily="18" charset="0"/>
+                <a:ea typeface="Cambria" panose="02040503050406030204" pitchFamily="18" charset="0"/>
+                <a:cs typeface="Times New Roman" panose="02020603050405020304" pitchFamily="18" charset="0"/>
+              </a:rPr>
+              <a:t>platform</a:t>
+            </a:r>
+            <a:r>
+              <a:rPr lang="en-IN" sz="1600" b="0" kern="100" dirty="0">
+                <a:effectLst/>
+                <a:latin typeface="Times New Roman" panose="02020603050405020304" pitchFamily="18" charset="0"/>
+                <a:ea typeface="Cambria" panose="02040503050406030204" pitchFamily="18" charset="0"/>
+                <a:cs typeface="Times New Roman" panose="02020603050405020304" pitchFamily="18" charset="0"/>
+              </a:rPr>
+              <a:t> which enables users to interact with each other exchange their skills and thoughts by promoting community-based skill learning</a:t>
             </a:r>
             <a:br>
               <a:rPr lang="en-IN" sz="1600" b="0" kern="100" dirty="0">
@@ -32107,7 +31719,7 @@
 </p:sld>
 </file>
 
-<file path=ppt/slides/slide7.xml><?xml version="1.0" encoding="utf-8"?>
+<file path=ppt/slides/slide6.xml><?xml version="1.0" encoding="utf-8"?>
 <p:sld xmlns:a="http://schemas.openxmlformats.org/drawingml/2006/main" xmlns:r="http://schemas.openxmlformats.org/officeDocument/2006/relationships" xmlns:p="http://schemas.openxmlformats.org/presentationml/2006/main">
   <p:cSld>
     <p:spTree>
@@ -32182,7 +31794,7 @@
             <a:fld id="{47FEACEE-25B4-4A2D-B147-27296E36371D}" type="slidenum">
               <a:rPr lang="en-US" altLang="zh-CN" smtClean="0"/>
               <a:pPr/>
-              <a:t>7</a:t>
+              <a:t>6</a:t>
             </a:fld>
             <a:endParaRPr lang="en-US" altLang="zh-CN" dirty="0"/>
           </a:p>
@@ -32229,7 +31841,7 @@
 </p:sld>
 </file>
 
-<file path=ppt/slides/slide8.xml><?xml version="1.0" encoding="utf-8"?>
+<file path=ppt/slides/slide7.xml><?xml version="1.0" encoding="utf-8"?>
 <p:sld xmlns:a="http://schemas.openxmlformats.org/drawingml/2006/main" xmlns:r="http://schemas.openxmlformats.org/officeDocument/2006/relationships" xmlns:p="http://schemas.openxmlformats.org/presentationml/2006/main">
   <p:cSld>
     <p:spTree>
@@ -32304,7 +31916,7 @@
             <a:fld id="{47FEACEE-25B4-4A2D-B147-27296E36371D}" type="slidenum">
               <a:rPr lang="en-US" altLang="zh-CN" smtClean="0"/>
               <a:pPr/>
-              <a:t>8</a:t>
+              <a:t>7</a:t>
             </a:fld>
             <a:endParaRPr lang="en-US" altLang="zh-CN" dirty="0"/>
           </a:p>
@@ -32325,14 +31937,14 @@
           <p:nvPr>
             <p:extLst>
               <p:ext uri="{D42A27DB-BD31-4B8C-83A1-F6EECF244321}">
-                <p14:modId xmlns:p14="http://schemas.microsoft.com/office/powerpoint/2010/main" val="2515003846"/>
+                <p14:modId xmlns:p14="http://schemas.microsoft.com/office/powerpoint/2010/main" val="3232838455"/>
               </p:ext>
             </p:extLst>
           </p:nvPr>
         </p:nvGraphicFramePr>
         <p:xfrm>
           <a:off x="1983287" y="2445040"/>
-          <a:ext cx="6899456" cy="2446081"/>
+          <a:ext cx="6899456" cy="2853766"/>
         </p:xfrm>
         <a:graphic>
           <a:graphicData uri="http://schemas.openxmlformats.org/drawingml/2006/table">
@@ -32372,12 +31984,12 @@
                         <a:buNone/>
                       </a:pPr>
                       <a:r>
-                        <a:rPr lang="en-IN" sz="1200" kern="100">
+                        <a:rPr lang="en-IN" sz="1800" kern="100">
                           <a:effectLst/>
                         </a:rPr>
                         <a:t>Project Title</a:t>
                       </a:r>
-                      <a:endParaRPr lang="en-IN" sz="1100" kern="100">
+                      <a:endParaRPr lang="en-IN" sz="1600" kern="100">
                         <a:effectLst/>
                         <a:latin typeface="Cambria" panose="02040503050406030204" pitchFamily="18" charset="0"/>
                         <a:ea typeface="Cambria" panose="02040503050406030204" pitchFamily="18" charset="0"/>
@@ -32402,12 +32014,12 @@
                         <a:buNone/>
                       </a:pPr>
                       <a:r>
-                        <a:rPr lang="en-IN" sz="1200" kern="100">
+                        <a:rPr lang="en-IN" sz="1800" kern="100" dirty="0">
                           <a:effectLst/>
                         </a:rPr>
                         <a:t>Skill-Swap</a:t>
                       </a:r>
-                      <a:endParaRPr lang="en-IN" sz="1100" kern="100">
+                      <a:endParaRPr lang="en-IN" sz="1600" kern="100" dirty="0">
                         <a:effectLst/>
                         <a:latin typeface="Cambria" panose="02040503050406030204" pitchFamily="18" charset="0"/>
                         <a:ea typeface="Cambria" panose="02040503050406030204" pitchFamily="18" charset="0"/>
@@ -32439,12 +32051,12 @@
                         <a:buNone/>
                       </a:pPr>
                       <a:r>
-                        <a:rPr lang="en-IN" sz="1200" kern="100">
+                        <a:rPr lang="en-IN" sz="1800" kern="100">
                           <a:effectLst/>
                         </a:rPr>
                         <a:t>Frontend</a:t>
                       </a:r>
-                      <a:endParaRPr lang="en-IN" sz="1100" kern="100">
+                      <a:endParaRPr lang="en-IN" sz="1600" kern="100">
                         <a:effectLst/>
                         <a:latin typeface="Cambria" panose="02040503050406030204" pitchFamily="18" charset="0"/>
                         <a:ea typeface="Cambria" panose="02040503050406030204" pitchFamily="18" charset="0"/>
@@ -32469,12 +32081,12 @@
                         <a:buNone/>
                       </a:pPr>
                       <a:r>
-                        <a:rPr lang="en-IN" sz="1200" kern="100" dirty="0">
+                        <a:rPr lang="en-IN" sz="1800" kern="100" dirty="0">
                           <a:effectLst/>
                         </a:rPr>
                         <a:t>HTML5, SCSS, JavaScript, Angular</a:t>
                       </a:r>
-                      <a:endParaRPr lang="en-IN" sz="1100" kern="100" dirty="0">
+                      <a:endParaRPr lang="en-IN" sz="1600" kern="100" dirty="0">
                         <a:effectLst/>
                         <a:latin typeface="Cambria" panose="02040503050406030204" pitchFamily="18" charset="0"/>
                         <a:ea typeface="Cambria" panose="02040503050406030204" pitchFamily="18" charset="0"/>
@@ -32506,12 +32118,12 @@
                         <a:buNone/>
                       </a:pPr>
                       <a:r>
-                        <a:rPr lang="en-IN" sz="1200" kern="100">
+                        <a:rPr lang="en-IN" sz="1800" kern="100">
                           <a:effectLst/>
                         </a:rPr>
                         <a:t>Libraries</a:t>
                       </a:r>
-                      <a:endParaRPr lang="en-IN" sz="1100" kern="100">
+                      <a:endParaRPr lang="en-IN" sz="1600" kern="100">
                         <a:effectLst/>
                         <a:latin typeface="Cambria" panose="02040503050406030204" pitchFamily="18" charset="0"/>
                         <a:ea typeface="Cambria" panose="02040503050406030204" pitchFamily="18" charset="0"/>
@@ -32536,12 +32148,12 @@
                         <a:buNone/>
                       </a:pPr>
                       <a:r>
-                        <a:rPr lang="en-IN" sz="1200" kern="100">
+                        <a:rPr lang="en-IN" sz="1800" kern="100">
                           <a:effectLst/>
                         </a:rPr>
                         <a:t>Angular Material, Tailwind CSS</a:t>
                       </a:r>
-                      <a:endParaRPr lang="en-IN" sz="1100" kern="100">
+                      <a:endParaRPr lang="en-IN" sz="1600" kern="100">
                         <a:effectLst/>
                         <a:latin typeface="Cambria" panose="02040503050406030204" pitchFamily="18" charset="0"/>
                         <a:ea typeface="Cambria" panose="02040503050406030204" pitchFamily="18" charset="0"/>
@@ -32573,12 +32185,12 @@
                         <a:buNone/>
                       </a:pPr>
                       <a:r>
-                        <a:rPr lang="en-IN" sz="1200" kern="100">
+                        <a:rPr lang="en-IN" sz="1800" kern="100">
                           <a:effectLst/>
                         </a:rPr>
                         <a:t>Back-end</a:t>
                       </a:r>
-                      <a:endParaRPr lang="en-IN" sz="1100" kern="100">
+                      <a:endParaRPr lang="en-IN" sz="1600" kern="100">
                         <a:effectLst/>
                         <a:latin typeface="Cambria" panose="02040503050406030204" pitchFamily="18" charset="0"/>
                         <a:ea typeface="Cambria" panose="02040503050406030204" pitchFamily="18" charset="0"/>
@@ -32603,12 +32215,12 @@
                         <a:buNone/>
                       </a:pPr>
                       <a:r>
-                        <a:rPr lang="en-IN" sz="1200" kern="100">
+                        <a:rPr lang="en-IN" sz="1800" kern="100">
                           <a:effectLst/>
                         </a:rPr>
                         <a:t>NodeJS, ExpressJS</a:t>
                       </a:r>
-                      <a:endParaRPr lang="en-IN" sz="1100" kern="100">
+                      <a:endParaRPr lang="en-IN" sz="1600" kern="100">
                         <a:effectLst/>
                         <a:latin typeface="Cambria" panose="02040503050406030204" pitchFamily="18" charset="0"/>
                         <a:ea typeface="Cambria" panose="02040503050406030204" pitchFamily="18" charset="0"/>
@@ -32640,12 +32252,12 @@
                         <a:buNone/>
                       </a:pPr>
                       <a:r>
-                        <a:rPr lang="en-IN" sz="1200" kern="100">
+                        <a:rPr lang="en-IN" sz="1800" kern="100">
                           <a:effectLst/>
                         </a:rPr>
                         <a:t>Database</a:t>
                       </a:r>
-                      <a:endParaRPr lang="en-IN" sz="1100" kern="100">
+                      <a:endParaRPr lang="en-IN" sz="1600" kern="100">
                         <a:effectLst/>
                         <a:latin typeface="Cambria" panose="02040503050406030204" pitchFamily="18" charset="0"/>
                         <a:ea typeface="Cambria" panose="02040503050406030204" pitchFamily="18" charset="0"/>
@@ -32670,12 +32282,12 @@
                         <a:buNone/>
                       </a:pPr>
                       <a:r>
-                        <a:rPr lang="en-IN" sz="1200" kern="100">
+                        <a:rPr lang="en-IN" sz="1800" kern="100">
                           <a:effectLst/>
                         </a:rPr>
                         <a:t>MongoDB Cluster</a:t>
                       </a:r>
-                      <a:endParaRPr lang="en-IN" sz="1100" kern="100">
+                      <a:endParaRPr lang="en-IN" sz="1600" kern="100">
                         <a:effectLst/>
                         <a:latin typeface="Cambria" panose="02040503050406030204" pitchFamily="18" charset="0"/>
                         <a:ea typeface="Cambria" panose="02040503050406030204" pitchFamily="18" charset="0"/>
@@ -32707,12 +32319,12 @@
                         <a:buNone/>
                       </a:pPr>
                       <a:r>
-                        <a:rPr lang="en-IN" sz="1200" kern="100">
+                        <a:rPr lang="en-IN" sz="1800" kern="100">
                           <a:effectLst/>
                         </a:rPr>
                         <a:t>Tools</a:t>
                       </a:r>
-                      <a:endParaRPr lang="en-IN" sz="1100" kern="100">
+                      <a:endParaRPr lang="en-IN" sz="1600" kern="100">
                         <a:effectLst/>
                         <a:latin typeface="Cambria" panose="02040503050406030204" pitchFamily="18" charset="0"/>
                         <a:ea typeface="Cambria" panose="02040503050406030204" pitchFamily="18" charset="0"/>
@@ -32737,12 +32349,12 @@
                         <a:buNone/>
                       </a:pPr>
                       <a:r>
-                        <a:rPr lang="en-IN" sz="1200" kern="100" dirty="0">
+                        <a:rPr lang="en-IN" sz="1800" kern="100" dirty="0">
                           <a:effectLst/>
                         </a:rPr>
                         <a:t>MS-OFFICE, Visual Studio Code, Draw.io</a:t>
                       </a:r>
-                      <a:endParaRPr lang="en-IN" sz="1100" kern="100" dirty="0">
+                      <a:endParaRPr lang="en-IN" sz="1600" kern="100" dirty="0">
                         <a:effectLst/>
                         <a:latin typeface="Cambria" panose="02040503050406030204" pitchFamily="18" charset="0"/>
                         <a:ea typeface="Cambria" panose="02040503050406030204" pitchFamily="18" charset="0"/>
@@ -32775,7 +32387,7 @@
 </p:sld>
 </file>
 
-<file path=ppt/slides/slide9.xml><?xml version="1.0" encoding="utf-8"?>
+<file path=ppt/slides/slide8.xml><?xml version="1.0" encoding="utf-8"?>
 <p:sld xmlns:a="http://schemas.openxmlformats.org/drawingml/2006/main" xmlns:r="http://schemas.openxmlformats.org/officeDocument/2006/relationships" xmlns:p="http://schemas.openxmlformats.org/presentationml/2006/main">
   <p:cSld>
     <p:spTree>
@@ -33171,7 +32783,7 @@
             <a:fld id="{47FEACEE-25B4-4A2D-B147-27296E36371D}" type="slidenum">
               <a:rPr lang="en-US" altLang="zh-CN" smtClean="0"/>
               <a:pPr/>
-              <a:t>9</a:t>
+              <a:t>8</a:t>
             </a:fld>
             <a:endParaRPr lang="en-US" altLang="zh-CN" dirty="0"/>
           </a:p>
@@ -33181,6 +32793,128 @@
     <p:extLst>
       <p:ext uri="{BB962C8B-B14F-4D97-AF65-F5344CB8AC3E}">
         <p14:creationId xmlns:p14="http://schemas.microsoft.com/office/powerpoint/2010/main" val="2970771870"/>
+      </p:ext>
+    </p:extLst>
+  </p:cSld>
+  <p:clrMapOvr>
+    <a:masterClrMapping/>
+  </p:clrMapOvr>
+</p:sld>
+</file>
+
+<file path=ppt/slides/slide9.xml><?xml version="1.0" encoding="utf-8"?>
+<p:sld xmlns:a="http://schemas.openxmlformats.org/drawingml/2006/main" xmlns:r="http://schemas.openxmlformats.org/officeDocument/2006/relationships" xmlns:p="http://schemas.openxmlformats.org/presentationml/2006/main">
+  <p:cSld>
+    <p:spTree>
+      <p:nvGrpSpPr>
+        <p:cNvPr id="1" name=""/>
+        <p:cNvGrpSpPr/>
+        <p:nvPr/>
+      </p:nvGrpSpPr>
+      <p:grpSpPr>
+        <a:xfrm>
+          <a:off x="0" y="0"/>
+          <a:ext cx="0" cy="0"/>
+          <a:chOff x="0" y="0"/>
+          <a:chExt cx="0" cy="0"/>
+        </a:xfrm>
+      </p:grpSpPr>
+      <p:sp>
+        <p:nvSpPr>
+          <p:cNvPr id="2" name="Title 1">
+            <a:extLst>
+              <a:ext uri="{FF2B5EF4-FFF2-40B4-BE49-F238E27FC236}">
+                <a16:creationId xmlns:a16="http://schemas.microsoft.com/office/drawing/2014/main" id="{37CD3AF5-CEEE-FB3A-F428-1BE5E966951B}"/>
+              </a:ext>
+            </a:extLst>
+          </p:cNvPr>
+          <p:cNvSpPr>
+            <a:spLocks noGrp="1"/>
+          </p:cNvSpPr>
+          <p:nvPr>
+            <p:ph type="title"/>
+          </p:nvPr>
+        </p:nvSpPr>
+        <p:spPr>
+          <a:xfrm>
+            <a:off x="640202" y="298580"/>
+            <a:ext cx="5117162" cy="1325563"/>
+          </a:xfrm>
+        </p:spPr>
+        <p:txBody>
+          <a:bodyPr/>
+          <a:lstStyle/>
+          <a:p>
+            <a:r>
+              <a:rPr lang="en-US" dirty="0"/>
+              <a:t>Pros &amp; cons</a:t>
+            </a:r>
+            <a:endParaRPr lang="en-IN" dirty="0"/>
+          </a:p>
+        </p:txBody>
+      </p:sp>
+      <p:sp>
+        <p:nvSpPr>
+          <p:cNvPr id="6" name="Slide Number Placeholder 5">
+            <a:extLst>
+              <a:ext uri="{FF2B5EF4-FFF2-40B4-BE49-F238E27FC236}">
+                <a16:creationId xmlns:a16="http://schemas.microsoft.com/office/drawing/2014/main" id="{F0962A82-2C99-8DA7-76F6-3DCA85330662}"/>
+              </a:ext>
+            </a:extLst>
+          </p:cNvPr>
+          <p:cNvSpPr>
+            <a:spLocks noGrp="1"/>
+          </p:cNvSpPr>
+          <p:nvPr>
+            <p:ph type="sldNum" sz="quarter" idx="53"/>
+          </p:nvPr>
+        </p:nvSpPr>
+        <p:spPr/>
+        <p:txBody>
+          <a:bodyPr/>
+          <a:lstStyle/>
+          <a:p>
+            <a:fld id="{47FEACEE-25B4-4A2D-B147-27296E36371D}" type="slidenum">
+              <a:rPr lang="en-US" altLang="zh-CN" smtClean="0"/>
+              <a:pPr/>
+              <a:t>9</a:t>
+            </a:fld>
+            <a:endParaRPr lang="en-US" altLang="zh-CN" dirty="0"/>
+          </a:p>
+        </p:txBody>
+      </p:sp>
+      <p:graphicFrame>
+        <p:nvGraphicFramePr>
+          <p:cNvPr id="7" name="Diagram 6">
+            <a:extLst>
+              <a:ext uri="{FF2B5EF4-FFF2-40B4-BE49-F238E27FC236}">
+                <a16:creationId xmlns:a16="http://schemas.microsoft.com/office/drawing/2014/main" id="{D81EF3BF-EA43-000F-CAB5-E9664F6CB6CA}"/>
+              </a:ext>
+            </a:extLst>
+          </p:cNvPr>
+          <p:cNvGraphicFramePr/>
+          <p:nvPr>
+            <p:extLst>
+              <p:ext uri="{D42A27DB-BD31-4B8C-83A1-F6EECF244321}">
+                <p14:modId xmlns:p14="http://schemas.microsoft.com/office/powerpoint/2010/main" val="196418354"/>
+              </p:ext>
+            </p:extLst>
+          </p:nvPr>
+        </p:nvGraphicFramePr>
+        <p:xfrm>
+          <a:off x="1881972" y="2088683"/>
+          <a:ext cx="5117161" cy="2865872"/>
+        </p:xfrm>
+        <a:graphic>
+          <a:graphicData uri="http://schemas.openxmlformats.org/drawingml/2006/diagram">
+            <dgm:relIds xmlns:dgm="http://schemas.openxmlformats.org/drawingml/2006/diagram" xmlns:r="http://schemas.openxmlformats.org/officeDocument/2006/relationships" r:dm="rId2" r:lo="rId3" r:qs="rId4" r:cs="rId5"/>
+          </a:graphicData>
+        </a:graphic>
+      </p:graphicFrame>
+    </p:spTree>
+    <p:extLst>
+      <p:ext uri="{BB962C8B-B14F-4D97-AF65-F5344CB8AC3E}">
+        <p14:creationId xmlns:p14="http://schemas.microsoft.com/office/powerpoint/2010/main" val="1389316509"/>
       </p:ext>
     </p:extLst>
   </p:cSld>
@@ -34007,35 +33741,6 @@
 </file>
 
 <file path=customXml/item1.xml><?xml version="1.0" encoding="utf-8"?>
-<p:properties xmlns:p="http://schemas.microsoft.com/office/2006/metadata/properties" xmlns:xsi="http://www.w3.org/2001/XMLSchema-instance" xmlns:pc="http://schemas.microsoft.com/office/infopath/2007/PartnerControls">
-  <documentManagement>
-    <_ip_UnifiedCompliancePolicyUIAction xmlns="http://schemas.microsoft.com/sharepoint/v3" xsi:nil="true"/>
-    <Image xmlns="71af3243-3dd4-4a8d-8c0d-dd76da1f02a5">
-      <Url xsi:nil="true"/>
-      <Description xsi:nil="true"/>
-    </Image>
-    <Status xmlns="71af3243-3dd4-4a8d-8c0d-dd76da1f02a5">Not started</Status>
-    <Background xmlns="71af3243-3dd4-4a8d-8c0d-dd76da1f02a5">false</Background>
-    <_ip_UnifiedCompliancePolicyProperties xmlns="http://schemas.microsoft.com/sharepoint/v3" xsi:nil="true"/>
-    <ImageTagsTaxHTField xmlns="71af3243-3dd4-4a8d-8c0d-dd76da1f02a5">
-      <Terms xmlns="http://schemas.microsoft.com/office/infopath/2007/PartnerControls"/>
-    </ImageTagsTaxHTField>
-    <TaxCatchAll xmlns="230e9df3-be65-4c73-a93b-d1236ebd677e" xsi:nil="true"/>
-    <MediaServiceKeyPoints xmlns="71af3243-3dd4-4a8d-8c0d-dd76da1f02a5" xsi:nil="true"/>
-  </documentManagement>
-</p:properties>
-</file>
-
-<file path=customXml/item2.xml><?xml version="1.0" encoding="utf-8"?>
-<?mso-contentType ?>
-<FormTemplates xmlns="http://schemas.microsoft.com/sharepoint/v3/contenttype/forms">
-  <Display>DocumentLibraryForm</Display>
-  <Edit>DocumentLibraryForm</Edit>
-  <New>DocumentLibraryForm</New>
-</FormTemplates>
-</file>
-
-<file path=customXml/item3.xml><?xml version="1.0" encoding="utf-8"?>
 <ct:contentTypeSchema xmlns:ct="http://schemas.microsoft.com/office/2006/metadata/contentType" xmlns:ma="http://schemas.microsoft.com/office/2006/metadata/properties/metaAttributes" ct:_="" ma:_="" ma:contentTypeName="Document" ma:contentTypeID="0x01010079F111ED35F8CC479449609E8A0923A6" ma:contentTypeVersion="28" ma:contentTypeDescription="Create a new document." ma:contentTypeScope="" ma:versionID="60f5a4f2d2b0abadcf532d48ebf9cb71">
   <xsd:schema xmlns:xsd="http://www.w3.org/2001/XMLSchema" xmlns:xs="http://www.w3.org/2001/XMLSchema" xmlns:p="http://schemas.microsoft.com/office/2006/metadata/properties" xmlns:ns1="http://schemas.microsoft.com/sharepoint/v3" xmlns:ns2="71af3243-3dd4-4a8d-8c0d-dd76da1f02a5" xmlns:ns3="16c05727-aa75-4e4a-9b5f-8a80a1165891" xmlns:ns4="230e9df3-be65-4c73-a93b-d1236ebd677e" targetNamespace="http://schemas.microsoft.com/office/2006/metadata/properties" ma:root="true" ma:fieldsID="7dd78129e6a1811f84807ad11c651531" ns1:_="" ns2:_="" ns3:_="" ns4:_="">
     <xsd:import namespace="http://schemas.microsoft.com/sharepoint/v3"/>
@@ -34347,27 +34052,36 @@
 </ct:contentTypeSchema>
 </file>
 
-<file path=customXml/itemProps1.xml><?xml version="1.0" encoding="utf-8"?>
-<ds:datastoreItem xmlns:ds="http://schemas.openxmlformats.org/officeDocument/2006/customXml" ds:itemID="{A0AD9BE2-6B3D-4616-B044-300A8177DEA5}">
-  <ds:schemaRefs>
-    <ds:schemaRef ds:uri="http://schemas.microsoft.com/office/2006/metadata/properties"/>
-    <ds:schemaRef ds:uri="http://schemas.microsoft.com/office/infopath/2007/PartnerControls"/>
-    <ds:schemaRef ds:uri="http://schemas.microsoft.com/sharepoint/v3"/>
-    <ds:schemaRef ds:uri="71af3243-3dd4-4a8d-8c0d-dd76da1f02a5"/>
-    <ds:schemaRef ds:uri="230e9df3-be65-4c73-a93b-d1236ebd677e"/>
-  </ds:schemaRefs>
-</ds:datastoreItem>
+<file path=customXml/item2.xml><?xml version="1.0" encoding="utf-8"?>
+<?mso-contentType ?>
+<FormTemplates xmlns="http://schemas.microsoft.com/sharepoint/v3/contenttype/forms">
+  <Display>DocumentLibraryForm</Display>
+  <Edit>DocumentLibraryForm</Edit>
+  <New>DocumentLibraryForm</New>
+</FormTemplates>
 </file>
 
-<file path=customXml/itemProps2.xml><?xml version="1.0" encoding="utf-8"?>
-<ds:datastoreItem xmlns:ds="http://schemas.openxmlformats.org/officeDocument/2006/customXml" ds:itemID="{45515263-A3DE-4193-B6AA-5C449C94519F}">
-  <ds:schemaRefs>
-    <ds:schemaRef ds:uri="http://schemas.microsoft.com/sharepoint/v3/contenttype/forms"/>
-  </ds:schemaRefs>
-</ds:datastoreItem>
+<file path=customXml/item3.xml><?xml version="1.0" encoding="utf-8"?>
+<p:properties xmlns:p="http://schemas.microsoft.com/office/2006/metadata/properties" xmlns:xsi="http://www.w3.org/2001/XMLSchema-instance" xmlns:pc="http://schemas.microsoft.com/office/infopath/2007/PartnerControls">
+  <documentManagement>
+    <_ip_UnifiedCompliancePolicyUIAction xmlns="http://schemas.microsoft.com/sharepoint/v3" xsi:nil="true"/>
+    <Image xmlns="71af3243-3dd4-4a8d-8c0d-dd76da1f02a5">
+      <Url xsi:nil="true"/>
+      <Description xsi:nil="true"/>
+    </Image>
+    <Status xmlns="71af3243-3dd4-4a8d-8c0d-dd76da1f02a5">Not started</Status>
+    <Background xmlns="71af3243-3dd4-4a8d-8c0d-dd76da1f02a5">false</Background>
+    <_ip_UnifiedCompliancePolicyProperties xmlns="http://schemas.microsoft.com/sharepoint/v3" xsi:nil="true"/>
+    <ImageTagsTaxHTField xmlns="71af3243-3dd4-4a8d-8c0d-dd76da1f02a5">
+      <Terms xmlns="http://schemas.microsoft.com/office/infopath/2007/PartnerControls"/>
+    </ImageTagsTaxHTField>
+    <TaxCatchAll xmlns="230e9df3-be65-4c73-a93b-d1236ebd677e" xsi:nil="true"/>
+    <MediaServiceKeyPoints xmlns="71af3243-3dd4-4a8d-8c0d-dd76da1f02a5" xsi:nil="true"/>
+  </documentManagement>
+</p:properties>
 </file>
 
-<file path=customXml/itemProps3.xml><?xml version="1.0" encoding="utf-8"?>
+<file path=customXml/itemProps1.xml><?xml version="1.0" encoding="utf-8"?>
 <ds:datastoreItem xmlns:ds="http://schemas.openxmlformats.org/officeDocument/2006/customXml" ds:itemID="{74CFA8B0-C7B8-4655-A378-2962C04794D3}">
   <ds:schemaRefs>
     <ds:schemaRef ds:uri="http://schemas.microsoft.com/office/2006/metadata/contentType"/>
@@ -34388,6 +34102,26 @@
 </ds:datastoreItem>
 </file>
 
+<file path=customXml/itemProps2.xml><?xml version="1.0" encoding="utf-8"?>
+<ds:datastoreItem xmlns:ds="http://schemas.openxmlformats.org/officeDocument/2006/customXml" ds:itemID="{45515263-A3DE-4193-B6AA-5C449C94519F}">
+  <ds:schemaRefs>
+    <ds:schemaRef ds:uri="http://schemas.microsoft.com/sharepoint/v3/contenttype/forms"/>
+  </ds:schemaRefs>
+</ds:datastoreItem>
+</file>
+
+<file path=customXml/itemProps3.xml><?xml version="1.0" encoding="utf-8"?>
+<ds:datastoreItem xmlns:ds="http://schemas.openxmlformats.org/officeDocument/2006/customXml" ds:itemID="{A0AD9BE2-6B3D-4616-B044-300A8177DEA5}">
+  <ds:schemaRefs>
+    <ds:schemaRef ds:uri="http://schemas.microsoft.com/office/2006/metadata/properties"/>
+    <ds:schemaRef ds:uri="http://schemas.microsoft.com/office/infopath/2007/PartnerControls"/>
+    <ds:schemaRef ds:uri="http://schemas.microsoft.com/sharepoint/v3"/>
+    <ds:schemaRef ds:uri="71af3243-3dd4-4a8d-8c0d-dd76da1f02a5"/>
+    <ds:schemaRef ds:uri="230e9df3-be65-4c73-a93b-d1236ebd677e"/>
+  </ds:schemaRefs>
+</ds:datastoreItem>
+</file>
+
 <file path=docMetadata/LabelInfo.xml><?xml version="1.0" encoding="utf-8"?>
 <clbl:labelList xmlns:clbl="http://schemas.microsoft.com/office/2020/mipLabelMetadata"/>
 </file>